--- a/Doc/示例图.pptx
+++ b/Doc/示例图.pptx
@@ -3203,11 +3203,7 @@
             <a:pPr algn="ctr"/>
             <a:r>
               <a:rPr lang="zh-CN" altLang="en-US"/>
-              <a:t>售票报名</a:t>
-            </a:r>
-            <a:r>
-              <a:rPr lang="zh-CN" altLang="en-US"/>
-              <a:t>系统</a:t>
+              <a:t>售票报名系统</a:t>
             </a:r>
             <a:endParaRPr lang="zh-CN" altLang="en-US"/>
           </a:p>
@@ -3314,7 +3310,7 @@
           <p:nvPr/>
         </p:nvGraphicFramePr>
         <p:xfrm>
-          <a:off x="5638800" y="3321050"/>
+          <a:off x="274320" y="1172845"/>
           <a:ext cx="914400" cy="215900"/>
         </p:xfrm>
         <a:graphic>
@@ -3342,7 +3338,7 @@
                     </p:blipFill>
                     <p:spPr>
                       <a:xfrm>
-                        <a:off x="5638800" y="3321050"/>
+                        <a:off x="274320" y="1172845"/>
                         <a:ext cx="914400" cy="215900"/>
                       </a:xfrm>
                       <a:prstGeom prst="rect">
@@ -3405,6 +3401,548 @@
           <a:xfrm>
             <a:off x="3599815" y="1796415"/>
             <a:ext cx="578485" cy="0"/>
+          </a:xfrm>
+          <a:prstGeom prst="straightConnector1">
+            <a:avLst/>
+          </a:prstGeom>
+          <a:ln>
+            <a:tailEnd type="arrow"/>
+          </a:ln>
+        </p:spPr>
+        <p:style>
+          <a:lnRef idx="1">
+            <a:schemeClr val="accent1"/>
+          </a:lnRef>
+          <a:fillRef idx="0">
+            <a:schemeClr val="accent1"/>
+          </a:fillRef>
+          <a:effectRef idx="0">
+            <a:schemeClr val="accent1"/>
+          </a:effectRef>
+          <a:fontRef idx="minor">
+            <a:schemeClr val="tx1"/>
+          </a:fontRef>
+        </p:style>
+      </p:cxnSp>
+      <p:sp>
+        <p:nvSpPr>
+          <p:cNvPr id="2" name="矩形 1"/>
+          <p:cNvSpPr/>
+          <p:nvPr/>
+        </p:nvSpPr>
+        <p:spPr>
+          <a:xfrm>
+            <a:off x="834390" y="2805430"/>
+            <a:ext cx="816610" cy="1247140"/>
+          </a:xfrm>
+          <a:prstGeom prst="rect">
+            <a:avLst/>
+          </a:prstGeom>
+        </p:spPr>
+        <p:style>
+          <a:lnRef idx="2">
+            <a:schemeClr val="accent1">
+              <a:shade val="50000"/>
+            </a:schemeClr>
+          </a:lnRef>
+          <a:fillRef idx="1">
+            <a:schemeClr val="accent1"/>
+          </a:fillRef>
+          <a:effectRef idx="0">
+            <a:schemeClr val="accent1"/>
+          </a:effectRef>
+          <a:fontRef idx="minor">
+            <a:schemeClr val="lt1"/>
+          </a:fontRef>
+        </p:style>
+        <p:txBody>
+          <a:bodyPr rtlCol="0" anchor="ctr"/>
+          <a:p>
+            <a:pPr algn="ctr"/>
+            <a:r>
+              <a:rPr lang="en-US" altLang="zh-CN"/>
+              <a:t>Other</a:t>
+            </a:r>
+            <a:r>
+              <a:rPr lang="zh-CN" altLang="en-US"/>
+              <a:t>系统</a:t>
+            </a:r>
+            <a:endParaRPr lang="zh-CN" altLang="en-US"/>
+          </a:p>
+        </p:txBody>
+      </p:sp>
+      <p:sp>
+        <p:nvSpPr>
+          <p:cNvPr id="3" name="矩形 2"/>
+          <p:cNvSpPr/>
+          <p:nvPr/>
+        </p:nvSpPr>
+        <p:spPr>
+          <a:xfrm>
+            <a:off x="2306320" y="2908300"/>
+            <a:ext cx="1293495" cy="1041400"/>
+          </a:xfrm>
+          <a:prstGeom prst="rect">
+            <a:avLst/>
+          </a:prstGeom>
+        </p:spPr>
+        <p:style>
+          <a:lnRef idx="2">
+            <a:schemeClr val="accent2">
+              <a:shade val="50000"/>
+            </a:schemeClr>
+          </a:lnRef>
+          <a:fillRef idx="1">
+            <a:schemeClr val="accent2"/>
+          </a:fillRef>
+          <a:effectRef idx="0">
+            <a:schemeClr val="accent2"/>
+          </a:effectRef>
+          <a:fontRef idx="minor">
+            <a:schemeClr val="lt1"/>
+          </a:fontRef>
+        </p:style>
+        <p:txBody>
+          <a:bodyPr rtlCol="0" anchor="ctr"/>
+          <a:p>
+            <a:pPr algn="ctr"/>
+            <a:r>
+              <a:rPr lang="zh-CN" altLang="en-US"/>
+              <a:t>消息队列</a:t>
+            </a:r>
+            <a:endParaRPr lang="zh-CN" altLang="en-US"/>
+          </a:p>
+        </p:txBody>
+      </p:sp>
+      <p:sp>
+        <p:nvSpPr>
+          <p:cNvPr id="10" name="矩形 9"/>
+          <p:cNvSpPr/>
+          <p:nvPr/>
+        </p:nvSpPr>
+        <p:spPr>
+          <a:xfrm>
+            <a:off x="4178300" y="2805430"/>
+            <a:ext cx="1144905" cy="1247140"/>
+          </a:xfrm>
+          <a:prstGeom prst="rect">
+            <a:avLst/>
+          </a:prstGeom>
+        </p:spPr>
+        <p:style>
+          <a:lnRef idx="2">
+            <a:schemeClr val="accent1">
+              <a:shade val="50000"/>
+            </a:schemeClr>
+          </a:lnRef>
+          <a:fillRef idx="1">
+            <a:schemeClr val="accent1"/>
+          </a:fillRef>
+          <a:effectRef idx="0">
+            <a:schemeClr val="accent1"/>
+          </a:effectRef>
+          <a:fontRef idx="minor">
+            <a:schemeClr val="lt1"/>
+          </a:fontRef>
+        </p:style>
+        <p:txBody>
+          <a:bodyPr rtlCol="0" anchor="ctr"/>
+          <a:p>
+            <a:pPr algn="ctr"/>
+            <a:r>
+              <a:rPr lang="zh-CN" altLang="en-US"/>
+              <a:t>营销系统</a:t>
+            </a:r>
+            <a:endParaRPr lang="zh-CN" altLang="en-US"/>
+          </a:p>
+        </p:txBody>
+      </p:sp>
+      <p:graphicFrame>
+        <p:nvGraphicFramePr>
+          <p:cNvPr id="11" name="对象 10">
+            <a:hlinkClick r:id="" action="ppaction://ole?verb="/>
+          </p:cNvPr>
+          <p:cNvGraphicFramePr>
+            <a:graphicFrameLocks noChangeAspect="1"/>
+          </p:cNvGraphicFramePr>
+          <p:nvPr/>
+        </p:nvGraphicFramePr>
+        <p:xfrm>
+          <a:off x="401320" y="1299845"/>
+          <a:ext cx="914400" cy="215900"/>
+        </p:xfrm>
+        <a:graphic>
+          <a:graphicData uri="http://schemas.openxmlformats.org/presentationml/2006/ole">
+            <mc:AlternateContent xmlns:mc="http://schemas.openxmlformats.org/markup-compatibility/2006">
+              <mc:Choice xmlns:v="urn:schemas-microsoft-com:vml" Requires="v">
+                <p:oleObj spid="_x0000_s12" name="" r:id="rId3" imgW="914400" imgH="215900" progId="Equation.KSEE3">
+                  <p:embed/>
+                </p:oleObj>
+              </mc:Choice>
+              <mc:Fallback>
+                <p:oleObj name="" r:id="rId3" imgW="914400" imgH="215900" progId="Equation.KSEE3">
+                  <p:embed/>
+                  <p:pic>
+                    <p:nvPicPr>
+                      <p:cNvPr id="0" name="图片 1024"/>
+                      <p:cNvPicPr/>
+                      <p:nvPr/>
+                    </p:nvPicPr>
+                    <p:blipFill>
+                      <a:blip r:embed="rId2"/>
+                      <a:stretch>
+                        <a:fillRect/>
+                      </a:stretch>
+                    </p:blipFill>
+                    <p:spPr>
+                      <a:xfrm>
+                        <a:off x="401320" y="1299845"/>
+                        <a:ext cx="914400" cy="215900"/>
+                      </a:xfrm>
+                      <a:prstGeom prst="rect">
+                        <a:avLst/>
+                      </a:prstGeom>
+                    </p:spPr>
+                  </p:pic>
+                </p:oleObj>
+              </mc:Fallback>
+            </mc:AlternateContent>
+          </a:graphicData>
+        </a:graphic>
+      </p:graphicFrame>
+      <p:cxnSp>
+        <p:nvCxnSpPr>
+          <p:cNvPr id="13" name="直接箭头连接符 12"/>
+          <p:cNvCxnSpPr>
+            <a:stCxn id="2" idx="3"/>
+            <a:endCxn id="3" idx="1"/>
+          </p:cNvCxnSpPr>
+          <p:nvPr/>
+        </p:nvCxnSpPr>
+        <p:spPr>
+          <a:xfrm>
+            <a:off x="1651000" y="3429000"/>
+            <a:ext cx="655320" cy="0"/>
+          </a:xfrm>
+          <a:prstGeom prst="straightConnector1">
+            <a:avLst/>
+          </a:prstGeom>
+          <a:ln>
+            <a:tailEnd type="arrow"/>
+          </a:ln>
+        </p:spPr>
+        <p:style>
+          <a:lnRef idx="1">
+            <a:schemeClr val="accent1"/>
+          </a:lnRef>
+          <a:fillRef idx="0">
+            <a:schemeClr val="accent1"/>
+          </a:fillRef>
+          <a:effectRef idx="0">
+            <a:schemeClr val="accent1"/>
+          </a:effectRef>
+          <a:fontRef idx="minor">
+            <a:schemeClr val="tx1"/>
+          </a:fontRef>
+        </p:style>
+      </p:cxnSp>
+      <p:cxnSp>
+        <p:nvCxnSpPr>
+          <p:cNvPr id="14" name="直接箭头连接符 13"/>
+          <p:cNvCxnSpPr>
+            <a:stCxn id="3" idx="3"/>
+            <a:endCxn id="10" idx="1"/>
+          </p:cNvCxnSpPr>
+          <p:nvPr/>
+        </p:nvCxnSpPr>
+        <p:spPr>
+          <a:xfrm>
+            <a:off x="3599815" y="3429000"/>
+            <a:ext cx="578485" cy="0"/>
+          </a:xfrm>
+          <a:prstGeom prst="straightConnector1">
+            <a:avLst/>
+          </a:prstGeom>
+          <a:ln>
+            <a:tailEnd type="arrow"/>
+          </a:ln>
+        </p:spPr>
+        <p:style>
+          <a:lnRef idx="1">
+            <a:schemeClr val="accent1"/>
+          </a:lnRef>
+          <a:fillRef idx="0">
+            <a:schemeClr val="accent1"/>
+          </a:fillRef>
+          <a:effectRef idx="0">
+            <a:schemeClr val="accent1"/>
+          </a:effectRef>
+          <a:fontRef idx="minor">
+            <a:schemeClr val="tx1"/>
+          </a:fontRef>
+        </p:style>
+      </p:cxnSp>
+      <p:sp>
+        <p:nvSpPr>
+          <p:cNvPr id="15" name="矩形 14"/>
+          <p:cNvSpPr/>
+          <p:nvPr/>
+        </p:nvSpPr>
+        <p:spPr>
+          <a:xfrm>
+            <a:off x="961390" y="4620260"/>
+            <a:ext cx="816610" cy="1247140"/>
+          </a:xfrm>
+          <a:prstGeom prst="rect">
+            <a:avLst/>
+          </a:prstGeom>
+        </p:spPr>
+        <p:style>
+          <a:lnRef idx="2">
+            <a:schemeClr val="accent1">
+              <a:shade val="50000"/>
+            </a:schemeClr>
+          </a:lnRef>
+          <a:fillRef idx="1">
+            <a:schemeClr val="accent1"/>
+          </a:fillRef>
+          <a:effectRef idx="0">
+            <a:schemeClr val="accent1"/>
+          </a:effectRef>
+          <a:fontRef idx="minor">
+            <a:schemeClr val="lt1"/>
+          </a:fontRef>
+        </p:style>
+        <p:txBody>
+          <a:bodyPr rtlCol="0" anchor="ctr"/>
+          <a:p>
+            <a:pPr algn="ctr"/>
+            <a:r>
+              <a:rPr lang="en-US" altLang="zh-CN"/>
+              <a:t>Other</a:t>
+            </a:r>
+            <a:r>
+              <a:rPr lang="zh-CN" altLang="en-US"/>
+              <a:t>系统</a:t>
+            </a:r>
+            <a:endParaRPr lang="zh-CN" altLang="en-US"/>
+          </a:p>
+        </p:txBody>
+      </p:sp>
+      <p:sp>
+        <p:nvSpPr>
+          <p:cNvPr id="16" name="矩形 15"/>
+          <p:cNvSpPr/>
+          <p:nvPr/>
+        </p:nvSpPr>
+        <p:spPr>
+          <a:xfrm>
+            <a:off x="4178300" y="4723765"/>
+            <a:ext cx="1293495" cy="1041400"/>
+          </a:xfrm>
+          <a:prstGeom prst="rect">
+            <a:avLst/>
+          </a:prstGeom>
+        </p:spPr>
+        <p:style>
+          <a:lnRef idx="2">
+            <a:schemeClr val="accent2">
+              <a:shade val="50000"/>
+            </a:schemeClr>
+          </a:lnRef>
+          <a:fillRef idx="1">
+            <a:schemeClr val="accent2"/>
+          </a:fillRef>
+          <a:effectRef idx="0">
+            <a:schemeClr val="accent2"/>
+          </a:effectRef>
+          <a:fontRef idx="minor">
+            <a:schemeClr val="lt1"/>
+          </a:fontRef>
+        </p:style>
+        <p:txBody>
+          <a:bodyPr rtlCol="0" anchor="ctr"/>
+          <a:p>
+            <a:pPr algn="ctr"/>
+            <a:r>
+              <a:rPr lang="zh-CN" altLang="en-US"/>
+              <a:t>延时聚合消息队列</a:t>
+            </a:r>
+            <a:endParaRPr lang="zh-CN" altLang="en-US"/>
+          </a:p>
+        </p:txBody>
+      </p:sp>
+      <p:sp>
+        <p:nvSpPr>
+          <p:cNvPr id="17" name="矩形 16"/>
+          <p:cNvSpPr/>
+          <p:nvPr/>
+        </p:nvSpPr>
+        <p:spPr>
+          <a:xfrm>
+            <a:off x="6134735" y="4620260"/>
+            <a:ext cx="1144905" cy="1247140"/>
+          </a:xfrm>
+          <a:prstGeom prst="rect">
+            <a:avLst/>
+          </a:prstGeom>
+        </p:spPr>
+        <p:style>
+          <a:lnRef idx="2">
+            <a:schemeClr val="accent1">
+              <a:shade val="50000"/>
+            </a:schemeClr>
+          </a:lnRef>
+          <a:fillRef idx="1">
+            <a:schemeClr val="accent1"/>
+          </a:fillRef>
+          <a:effectRef idx="0">
+            <a:schemeClr val="accent1"/>
+          </a:effectRef>
+          <a:fontRef idx="minor">
+            <a:schemeClr val="lt1"/>
+          </a:fontRef>
+        </p:style>
+        <p:txBody>
+          <a:bodyPr rtlCol="0" anchor="ctr"/>
+          <a:p>
+            <a:pPr algn="ctr"/>
+            <a:r>
+              <a:rPr lang="zh-CN" altLang="en-US"/>
+              <a:t>营销系统</a:t>
+            </a:r>
+            <a:endParaRPr lang="zh-CN" altLang="en-US"/>
+          </a:p>
+        </p:txBody>
+      </p:sp>
+      <p:cxnSp>
+        <p:nvCxnSpPr>
+          <p:cNvPr id="18" name="直接箭头连接符 17"/>
+          <p:cNvCxnSpPr>
+            <a:stCxn id="15" idx="3"/>
+            <a:endCxn id="20" idx="2"/>
+          </p:cNvCxnSpPr>
+          <p:nvPr/>
+        </p:nvCxnSpPr>
+        <p:spPr>
+          <a:xfrm>
+            <a:off x="1778000" y="5243830"/>
+            <a:ext cx="549275" cy="635"/>
+          </a:xfrm>
+          <a:prstGeom prst="straightConnector1">
+            <a:avLst/>
+          </a:prstGeom>
+          <a:ln>
+            <a:tailEnd type="arrow"/>
+          </a:ln>
+        </p:spPr>
+        <p:style>
+          <a:lnRef idx="1">
+            <a:schemeClr val="accent1"/>
+          </a:lnRef>
+          <a:fillRef idx="0">
+            <a:schemeClr val="accent1"/>
+          </a:fillRef>
+          <a:effectRef idx="0">
+            <a:schemeClr val="accent1"/>
+          </a:effectRef>
+          <a:fontRef idx="minor">
+            <a:schemeClr val="tx1"/>
+          </a:fontRef>
+        </p:style>
+      </p:cxnSp>
+      <p:cxnSp>
+        <p:nvCxnSpPr>
+          <p:cNvPr id="19" name="直接箭头连接符 18"/>
+          <p:cNvCxnSpPr>
+            <a:stCxn id="16" idx="3"/>
+            <a:endCxn id="17" idx="1"/>
+          </p:cNvCxnSpPr>
+          <p:nvPr/>
+        </p:nvCxnSpPr>
+        <p:spPr>
+          <a:xfrm flipV="1">
+            <a:off x="5471795" y="5243830"/>
+            <a:ext cx="662940" cy="635"/>
+          </a:xfrm>
+          <a:prstGeom prst="straightConnector1">
+            <a:avLst/>
+          </a:prstGeom>
+          <a:ln>
+            <a:tailEnd type="arrow"/>
+          </a:ln>
+        </p:spPr>
+        <p:style>
+          <a:lnRef idx="1">
+            <a:schemeClr val="accent1"/>
+          </a:lnRef>
+          <a:fillRef idx="0">
+            <a:schemeClr val="accent1"/>
+          </a:fillRef>
+          <a:effectRef idx="0">
+            <a:schemeClr val="accent1"/>
+          </a:effectRef>
+          <a:fontRef idx="minor">
+            <a:schemeClr val="tx1"/>
+          </a:fontRef>
+        </p:style>
+      </p:cxnSp>
+      <p:sp>
+        <p:nvSpPr>
+          <p:cNvPr id="20" name="云形 19"/>
+          <p:cNvSpPr/>
+          <p:nvPr/>
+        </p:nvSpPr>
+        <p:spPr>
+          <a:xfrm>
+            <a:off x="2323465" y="4554855"/>
+            <a:ext cx="1280160" cy="1378585"/>
+          </a:xfrm>
+          <a:prstGeom prst="cloud">
+            <a:avLst/>
+          </a:prstGeom>
+        </p:spPr>
+        <p:style>
+          <a:lnRef idx="2">
+            <a:schemeClr val="accent1">
+              <a:shade val="50000"/>
+            </a:schemeClr>
+          </a:lnRef>
+          <a:fillRef idx="1">
+            <a:schemeClr val="accent1"/>
+          </a:fillRef>
+          <a:effectRef idx="0">
+            <a:schemeClr val="accent1"/>
+          </a:effectRef>
+          <a:fontRef idx="minor">
+            <a:schemeClr val="lt1"/>
+          </a:fontRef>
+        </p:style>
+        <p:txBody>
+          <a:bodyPr rtlCol="0" anchor="ctr"/>
+          <a:p>
+            <a:pPr algn="ctr"/>
+            <a:r>
+              <a:rPr lang="zh-CN" altLang="en-US"/>
+              <a:t>内存队列</a:t>
+            </a:r>
+            <a:endParaRPr lang="zh-CN" altLang="en-US"/>
+          </a:p>
+        </p:txBody>
+      </p:sp>
+      <p:cxnSp>
+        <p:nvCxnSpPr>
+          <p:cNvPr id="21" name="直接箭头连接符 20"/>
+          <p:cNvCxnSpPr>
+            <a:stCxn id="20" idx="0"/>
+            <a:endCxn id="16" idx="1"/>
+          </p:cNvCxnSpPr>
+          <p:nvPr/>
+        </p:nvCxnSpPr>
+        <p:spPr>
+          <a:xfrm>
+            <a:off x="3602355" y="5244465"/>
+            <a:ext cx="575945" cy="0"/>
           </a:xfrm>
           <a:prstGeom prst="straightConnector1">
             <a:avLst/>

--- a/Doc/示例图.pptx
+++ b/Doc/示例图.pptx
@@ -6,6 +6,7 @@
   </p:sldMasterIdLst>
   <p:sldIdLst>
     <p:sldId id="256" r:id="rId3"/>
+    <p:sldId id="257" r:id="rId4"/>
   </p:sldIdLst>
   <p:sldSz cx="12192000" cy="6858000"/>
   <p:notesSz cx="7103745" cy="10234295"/>
@@ -3986,6 +3987,906 @@
 </p:sld>
 </file>
 
+<file path=ppt/slides/slide2.xml><?xml version="1.0" encoding="utf-8"?>
+<p:sld xmlns:a="http://schemas.openxmlformats.org/drawingml/2006/main" xmlns:r="http://schemas.openxmlformats.org/officeDocument/2006/relationships" xmlns:p="http://schemas.openxmlformats.org/presentationml/2006/main">
+  <p:cSld>
+    <p:spTree>
+      <p:nvGrpSpPr>
+        <p:cNvPr id="1" name=""/>
+        <p:cNvGrpSpPr/>
+        <p:nvPr/>
+      </p:nvGrpSpPr>
+      <p:grpSpPr/>
+      <p:sp>
+        <p:nvSpPr>
+          <p:cNvPr id="4" name="矩形 3"/>
+          <p:cNvSpPr/>
+          <p:nvPr/>
+        </p:nvSpPr>
+        <p:spPr>
+          <a:xfrm>
+            <a:off x="731520" y="1172845"/>
+            <a:ext cx="919480" cy="1247140"/>
+          </a:xfrm>
+          <a:prstGeom prst="rect">
+            <a:avLst/>
+          </a:prstGeom>
+        </p:spPr>
+        <p:style>
+          <a:lnRef idx="2">
+            <a:schemeClr val="accent1">
+              <a:shade val="50000"/>
+            </a:schemeClr>
+          </a:lnRef>
+          <a:fillRef idx="1">
+            <a:schemeClr val="accent1"/>
+          </a:fillRef>
+          <a:effectRef idx="0">
+            <a:schemeClr val="accent1"/>
+          </a:effectRef>
+          <a:fontRef idx="minor">
+            <a:schemeClr val="lt1"/>
+          </a:fontRef>
+        </p:style>
+        <p:txBody>
+          <a:bodyPr rtlCol="0" anchor="ctr"/>
+          <a:p>
+            <a:pPr algn="ctr"/>
+            <a:r>
+              <a:rPr lang="en-US" altLang="zh-CN"/>
+              <a:t>Ticket</a:t>
+            </a:r>
+            <a:endParaRPr lang="en-US" altLang="zh-CN"/>
+          </a:p>
+          <a:p>
+            <a:pPr algn="ctr"/>
+            <a:r>
+              <a:rPr lang="en-US" altLang="zh-CN"/>
+              <a:t>system</a:t>
+            </a:r>
+            <a:endParaRPr lang="en-US" altLang="zh-CN"/>
+          </a:p>
+        </p:txBody>
+      </p:sp>
+      <p:sp>
+        <p:nvSpPr>
+          <p:cNvPr id="5" name="矩形 4"/>
+          <p:cNvSpPr/>
+          <p:nvPr/>
+        </p:nvSpPr>
+        <p:spPr>
+          <a:xfrm>
+            <a:off x="2306320" y="1275715"/>
+            <a:ext cx="1293495" cy="1041400"/>
+          </a:xfrm>
+          <a:prstGeom prst="rect">
+            <a:avLst/>
+          </a:prstGeom>
+        </p:spPr>
+        <p:style>
+          <a:lnRef idx="2">
+            <a:schemeClr val="accent2">
+              <a:shade val="50000"/>
+            </a:schemeClr>
+          </a:lnRef>
+          <a:fillRef idx="1">
+            <a:schemeClr val="accent2"/>
+          </a:fillRef>
+          <a:effectRef idx="0">
+            <a:schemeClr val="accent2"/>
+          </a:effectRef>
+          <a:fontRef idx="minor">
+            <a:schemeClr val="lt1"/>
+          </a:fontRef>
+        </p:style>
+        <p:txBody>
+          <a:bodyPr rtlCol="0" anchor="ctr"/>
+          <a:p>
+            <a:pPr algn="ctr"/>
+            <a:r>
+              <a:rPr lang="en-US" altLang="zh-CN"/>
+              <a:t>Message</a:t>
+            </a:r>
+            <a:br>
+              <a:rPr lang="en-US" altLang="zh-CN"/>
+            </a:br>
+            <a:r>
+              <a:rPr lang="en-US" altLang="zh-CN"/>
+              <a:t>Queue</a:t>
+            </a:r>
+            <a:endParaRPr lang="en-US" altLang="zh-CN"/>
+          </a:p>
+        </p:txBody>
+      </p:sp>
+      <p:sp>
+        <p:nvSpPr>
+          <p:cNvPr id="6" name="矩形 5"/>
+          <p:cNvSpPr/>
+          <p:nvPr/>
+        </p:nvSpPr>
+        <p:spPr>
+          <a:xfrm>
+            <a:off x="4178300" y="1172845"/>
+            <a:ext cx="976630" cy="1247140"/>
+          </a:xfrm>
+          <a:prstGeom prst="rect">
+            <a:avLst/>
+          </a:prstGeom>
+        </p:spPr>
+        <p:style>
+          <a:lnRef idx="2">
+            <a:schemeClr val="accent1">
+              <a:shade val="50000"/>
+            </a:schemeClr>
+          </a:lnRef>
+          <a:fillRef idx="1">
+            <a:schemeClr val="accent1"/>
+          </a:fillRef>
+          <a:effectRef idx="0">
+            <a:schemeClr val="accent1"/>
+          </a:effectRef>
+          <a:fontRef idx="minor">
+            <a:schemeClr val="lt1"/>
+          </a:fontRef>
+        </p:style>
+        <p:txBody>
+          <a:bodyPr rtlCol="0" anchor="ctr"/>
+          <a:p>
+            <a:pPr algn="ctr"/>
+            <a:r>
+              <a:rPr lang="en-US" altLang="zh-CN"/>
+              <a:t>Other</a:t>
+            </a:r>
+            <a:endParaRPr lang="en-US" altLang="zh-CN"/>
+          </a:p>
+          <a:p>
+            <a:pPr algn="ctr"/>
+            <a:r>
+              <a:rPr lang="en-US" altLang="zh-CN"/>
+              <a:t>System</a:t>
+            </a:r>
+            <a:endParaRPr lang="en-US" altLang="zh-CN"/>
+          </a:p>
+        </p:txBody>
+      </p:sp>
+      <p:graphicFrame>
+        <p:nvGraphicFramePr>
+          <p:cNvPr id="7" name="对象 6">
+            <a:hlinkClick r:id="" action="ppaction://ole?verb="/>
+          </p:cNvPr>
+          <p:cNvGraphicFramePr>
+            <a:graphicFrameLocks noChangeAspect="1"/>
+          </p:cNvGraphicFramePr>
+          <p:nvPr/>
+        </p:nvGraphicFramePr>
+        <p:xfrm>
+          <a:off x="274320" y="1172845"/>
+          <a:ext cx="914400" cy="215900"/>
+        </p:xfrm>
+        <a:graphic>
+          <a:graphicData uri="http://schemas.openxmlformats.org/presentationml/2006/ole">
+            <mc:AlternateContent xmlns:mc="http://schemas.openxmlformats.org/markup-compatibility/2006">
+              <mc:Choice xmlns:v="urn:schemas-microsoft-com:vml" Requires="v">
+                <p:oleObj spid="_x0000_s1025" name="" r:id="rId1" imgW="914400" imgH="215900" progId="Equation.KSEE3">
+                  <p:embed/>
+                </p:oleObj>
+              </mc:Choice>
+              <mc:Fallback>
+                <p:oleObj name="" r:id="rId1" imgW="914400" imgH="215900" progId="Equation.KSEE3">
+                  <p:embed/>
+                  <p:pic>
+                    <p:nvPicPr>
+                      <p:cNvPr id="0" name="图片 1024"/>
+                      <p:cNvPicPr/>
+                      <p:nvPr/>
+                    </p:nvPicPr>
+                    <p:blipFill>
+                      <a:blip r:embed="rId2"/>
+                      <a:stretch>
+                        <a:fillRect/>
+                      </a:stretch>
+                    </p:blipFill>
+                    <p:spPr>
+                      <a:xfrm>
+                        <a:off x="274320" y="1172845"/>
+                        <a:ext cx="914400" cy="215900"/>
+                      </a:xfrm>
+                      <a:prstGeom prst="rect">
+                        <a:avLst/>
+                      </a:prstGeom>
+                    </p:spPr>
+                  </p:pic>
+                </p:oleObj>
+              </mc:Fallback>
+            </mc:AlternateContent>
+          </a:graphicData>
+        </a:graphic>
+      </p:graphicFrame>
+      <p:cxnSp>
+        <p:nvCxnSpPr>
+          <p:cNvPr id="8" name="直接箭头连接符 7"/>
+          <p:cNvCxnSpPr>
+            <a:stCxn id="4" idx="3"/>
+            <a:endCxn id="5" idx="1"/>
+          </p:cNvCxnSpPr>
+          <p:nvPr/>
+        </p:nvCxnSpPr>
+        <p:spPr>
+          <a:xfrm>
+            <a:off x="1651000" y="1796415"/>
+            <a:ext cx="655320" cy="0"/>
+          </a:xfrm>
+          <a:prstGeom prst="straightConnector1">
+            <a:avLst/>
+          </a:prstGeom>
+          <a:ln>
+            <a:tailEnd type="arrow"/>
+          </a:ln>
+        </p:spPr>
+        <p:style>
+          <a:lnRef idx="1">
+            <a:schemeClr val="accent1"/>
+          </a:lnRef>
+          <a:fillRef idx="0">
+            <a:schemeClr val="accent1"/>
+          </a:fillRef>
+          <a:effectRef idx="0">
+            <a:schemeClr val="accent1"/>
+          </a:effectRef>
+          <a:fontRef idx="minor">
+            <a:schemeClr val="tx1"/>
+          </a:fontRef>
+        </p:style>
+      </p:cxnSp>
+      <p:cxnSp>
+        <p:nvCxnSpPr>
+          <p:cNvPr id="9" name="直接箭头连接符 8"/>
+          <p:cNvCxnSpPr>
+            <a:stCxn id="5" idx="3"/>
+            <a:endCxn id="6" idx="1"/>
+          </p:cNvCxnSpPr>
+          <p:nvPr/>
+        </p:nvCxnSpPr>
+        <p:spPr>
+          <a:xfrm>
+            <a:off x="3599815" y="1796415"/>
+            <a:ext cx="578485" cy="0"/>
+          </a:xfrm>
+          <a:prstGeom prst="straightConnector1">
+            <a:avLst/>
+          </a:prstGeom>
+          <a:ln>
+            <a:tailEnd type="arrow"/>
+          </a:ln>
+        </p:spPr>
+        <p:style>
+          <a:lnRef idx="1">
+            <a:schemeClr val="accent1"/>
+          </a:lnRef>
+          <a:fillRef idx="0">
+            <a:schemeClr val="accent1"/>
+          </a:fillRef>
+          <a:effectRef idx="0">
+            <a:schemeClr val="accent1"/>
+          </a:effectRef>
+          <a:fontRef idx="minor">
+            <a:schemeClr val="tx1"/>
+          </a:fontRef>
+        </p:style>
+      </p:cxnSp>
+      <p:sp>
+        <p:nvSpPr>
+          <p:cNvPr id="2" name="矩形 1"/>
+          <p:cNvSpPr/>
+          <p:nvPr/>
+        </p:nvSpPr>
+        <p:spPr>
+          <a:xfrm>
+            <a:off x="610235" y="2805430"/>
+            <a:ext cx="1040765" cy="1247140"/>
+          </a:xfrm>
+          <a:prstGeom prst="rect">
+            <a:avLst/>
+          </a:prstGeom>
+        </p:spPr>
+        <p:style>
+          <a:lnRef idx="2">
+            <a:schemeClr val="accent1">
+              <a:shade val="50000"/>
+            </a:schemeClr>
+          </a:lnRef>
+          <a:fillRef idx="1">
+            <a:schemeClr val="accent1"/>
+          </a:fillRef>
+          <a:effectRef idx="0">
+            <a:schemeClr val="accent1"/>
+          </a:effectRef>
+          <a:fontRef idx="minor">
+            <a:schemeClr val="lt1"/>
+          </a:fontRef>
+        </p:style>
+        <p:txBody>
+          <a:bodyPr rtlCol="0" anchor="ctr"/>
+          <a:p>
+            <a:pPr algn="ctr"/>
+            <a:r>
+              <a:rPr lang="en-US" altLang="zh-CN">
+                <a:sym typeface="+mn-ea"/>
+              </a:rPr>
+              <a:t>Other</a:t>
+            </a:r>
+            <a:endParaRPr lang="en-US" altLang="zh-CN"/>
+          </a:p>
+          <a:p>
+            <a:pPr algn="ctr"/>
+            <a:r>
+              <a:rPr lang="en-US" altLang="zh-CN">
+                <a:sym typeface="+mn-ea"/>
+              </a:rPr>
+              <a:t>System</a:t>
+            </a:r>
+            <a:endParaRPr lang="en-US" altLang="zh-CN"/>
+          </a:p>
+          <a:p>
+            <a:pPr algn="ctr"/>
+            <a:endParaRPr lang="zh-CN" altLang="en-US"/>
+          </a:p>
+        </p:txBody>
+      </p:sp>
+      <p:sp>
+        <p:nvSpPr>
+          <p:cNvPr id="3" name="矩形 2"/>
+          <p:cNvSpPr/>
+          <p:nvPr/>
+        </p:nvSpPr>
+        <p:spPr>
+          <a:xfrm>
+            <a:off x="2306320" y="2908300"/>
+            <a:ext cx="1293495" cy="1041400"/>
+          </a:xfrm>
+          <a:prstGeom prst="rect">
+            <a:avLst/>
+          </a:prstGeom>
+        </p:spPr>
+        <p:style>
+          <a:lnRef idx="2">
+            <a:schemeClr val="accent2">
+              <a:shade val="50000"/>
+            </a:schemeClr>
+          </a:lnRef>
+          <a:fillRef idx="1">
+            <a:schemeClr val="accent2"/>
+          </a:fillRef>
+          <a:effectRef idx="0">
+            <a:schemeClr val="accent2"/>
+          </a:effectRef>
+          <a:fontRef idx="minor">
+            <a:schemeClr val="lt1"/>
+          </a:fontRef>
+        </p:style>
+        <p:txBody>
+          <a:bodyPr rtlCol="0" anchor="ctr"/>
+          <a:p>
+            <a:pPr algn="ctr"/>
+            <a:r>
+              <a:rPr lang="en-US" altLang="zh-CN">
+                <a:sym typeface="+mn-ea"/>
+              </a:rPr>
+              <a:t>Message</a:t>
+            </a:r>
+            <a:br>
+              <a:rPr lang="en-US" altLang="zh-CN">
+                <a:sym typeface="+mn-ea"/>
+              </a:rPr>
+            </a:br>
+            <a:r>
+              <a:rPr lang="en-US" altLang="zh-CN">
+                <a:sym typeface="+mn-ea"/>
+              </a:rPr>
+              <a:t>Queue</a:t>
+            </a:r>
+            <a:endParaRPr lang="zh-CN" altLang="en-US"/>
+          </a:p>
+        </p:txBody>
+      </p:sp>
+      <p:sp>
+        <p:nvSpPr>
+          <p:cNvPr id="10" name="矩形 9"/>
+          <p:cNvSpPr/>
+          <p:nvPr/>
+        </p:nvSpPr>
+        <p:spPr>
+          <a:xfrm>
+            <a:off x="4178300" y="2805430"/>
+            <a:ext cx="1294130" cy="1247140"/>
+          </a:xfrm>
+          <a:prstGeom prst="rect">
+            <a:avLst/>
+          </a:prstGeom>
+        </p:spPr>
+        <p:style>
+          <a:lnRef idx="2">
+            <a:schemeClr val="accent1">
+              <a:shade val="50000"/>
+            </a:schemeClr>
+          </a:lnRef>
+          <a:fillRef idx="1">
+            <a:schemeClr val="accent1"/>
+          </a:fillRef>
+          <a:effectRef idx="0">
+            <a:schemeClr val="accent1"/>
+          </a:effectRef>
+          <a:fontRef idx="minor">
+            <a:schemeClr val="lt1"/>
+          </a:fontRef>
+        </p:style>
+        <p:txBody>
+          <a:bodyPr rtlCol="0" anchor="ctr"/>
+          <a:p>
+            <a:pPr algn="ctr"/>
+            <a:r>
+              <a:rPr lang="zh-CN" altLang="en-US"/>
+              <a:t>Marketing System</a:t>
+            </a:r>
+            <a:endParaRPr lang="zh-CN" altLang="en-US"/>
+          </a:p>
+        </p:txBody>
+      </p:sp>
+      <p:graphicFrame>
+        <p:nvGraphicFramePr>
+          <p:cNvPr id="11" name="对象 10">
+            <a:hlinkClick r:id="" action="ppaction://ole?verb="/>
+          </p:cNvPr>
+          <p:cNvGraphicFramePr>
+            <a:graphicFrameLocks noChangeAspect="1"/>
+          </p:cNvGraphicFramePr>
+          <p:nvPr/>
+        </p:nvGraphicFramePr>
+        <p:xfrm>
+          <a:off x="523240" y="1388745"/>
+          <a:ext cx="914400" cy="215900"/>
+        </p:xfrm>
+        <a:graphic>
+          <a:graphicData uri="http://schemas.openxmlformats.org/presentationml/2006/ole">
+            <mc:AlternateContent xmlns:mc="http://schemas.openxmlformats.org/markup-compatibility/2006">
+              <mc:Choice xmlns:v="urn:schemas-microsoft-com:vml" Requires="v">
+                <p:oleObj spid="_x0000_s12" name="" r:id="rId3" imgW="914400" imgH="215900" progId="Equation.KSEE3">
+                  <p:embed/>
+                </p:oleObj>
+              </mc:Choice>
+              <mc:Fallback>
+                <p:oleObj name="" r:id="rId3" imgW="914400" imgH="215900" progId="Equation.KSEE3">
+                  <p:embed/>
+                  <p:pic>
+                    <p:nvPicPr>
+                      <p:cNvPr id="0" name="图片 1024"/>
+                      <p:cNvPicPr/>
+                      <p:nvPr/>
+                    </p:nvPicPr>
+                    <p:blipFill>
+                      <a:blip r:embed="rId2"/>
+                      <a:stretch>
+                        <a:fillRect/>
+                      </a:stretch>
+                    </p:blipFill>
+                    <p:spPr>
+                      <a:xfrm>
+                        <a:off x="523240" y="1388745"/>
+                        <a:ext cx="914400" cy="215900"/>
+                      </a:xfrm>
+                      <a:prstGeom prst="rect">
+                        <a:avLst/>
+                      </a:prstGeom>
+                    </p:spPr>
+                  </p:pic>
+                </p:oleObj>
+              </mc:Fallback>
+            </mc:AlternateContent>
+          </a:graphicData>
+        </a:graphic>
+      </p:graphicFrame>
+      <p:cxnSp>
+        <p:nvCxnSpPr>
+          <p:cNvPr id="13" name="直接箭头连接符 12"/>
+          <p:cNvCxnSpPr>
+            <a:stCxn id="2" idx="3"/>
+            <a:endCxn id="3" idx="1"/>
+          </p:cNvCxnSpPr>
+          <p:nvPr/>
+        </p:nvCxnSpPr>
+        <p:spPr>
+          <a:xfrm>
+            <a:off x="1651000" y="3429000"/>
+            <a:ext cx="655320" cy="0"/>
+          </a:xfrm>
+          <a:prstGeom prst="straightConnector1">
+            <a:avLst/>
+          </a:prstGeom>
+          <a:ln>
+            <a:tailEnd type="arrow"/>
+          </a:ln>
+        </p:spPr>
+        <p:style>
+          <a:lnRef idx="1">
+            <a:schemeClr val="accent1"/>
+          </a:lnRef>
+          <a:fillRef idx="0">
+            <a:schemeClr val="accent1"/>
+          </a:fillRef>
+          <a:effectRef idx="0">
+            <a:schemeClr val="accent1"/>
+          </a:effectRef>
+          <a:fontRef idx="minor">
+            <a:schemeClr val="tx1"/>
+          </a:fontRef>
+        </p:style>
+      </p:cxnSp>
+      <p:cxnSp>
+        <p:nvCxnSpPr>
+          <p:cNvPr id="14" name="直接箭头连接符 13"/>
+          <p:cNvCxnSpPr>
+            <a:stCxn id="3" idx="3"/>
+            <a:endCxn id="10" idx="1"/>
+          </p:cNvCxnSpPr>
+          <p:nvPr/>
+        </p:nvCxnSpPr>
+        <p:spPr>
+          <a:xfrm>
+            <a:off x="3599815" y="3429000"/>
+            <a:ext cx="578485" cy="0"/>
+          </a:xfrm>
+          <a:prstGeom prst="straightConnector1">
+            <a:avLst/>
+          </a:prstGeom>
+          <a:ln>
+            <a:tailEnd type="arrow"/>
+          </a:ln>
+        </p:spPr>
+        <p:style>
+          <a:lnRef idx="1">
+            <a:schemeClr val="accent1"/>
+          </a:lnRef>
+          <a:fillRef idx="0">
+            <a:schemeClr val="accent1"/>
+          </a:fillRef>
+          <a:effectRef idx="0">
+            <a:schemeClr val="accent1"/>
+          </a:effectRef>
+          <a:fontRef idx="minor">
+            <a:schemeClr val="tx1"/>
+          </a:fontRef>
+        </p:style>
+      </p:cxnSp>
+      <p:sp>
+        <p:nvSpPr>
+          <p:cNvPr id="15" name="矩形 14"/>
+          <p:cNvSpPr/>
+          <p:nvPr/>
+        </p:nvSpPr>
+        <p:spPr>
+          <a:xfrm>
+            <a:off x="868045" y="4620260"/>
+            <a:ext cx="909955" cy="1247140"/>
+          </a:xfrm>
+          <a:prstGeom prst="rect">
+            <a:avLst/>
+          </a:prstGeom>
+        </p:spPr>
+        <p:style>
+          <a:lnRef idx="2">
+            <a:schemeClr val="accent1">
+              <a:shade val="50000"/>
+            </a:schemeClr>
+          </a:lnRef>
+          <a:fillRef idx="1">
+            <a:schemeClr val="accent1"/>
+          </a:fillRef>
+          <a:effectRef idx="0">
+            <a:schemeClr val="accent1"/>
+          </a:effectRef>
+          <a:fontRef idx="minor">
+            <a:schemeClr val="lt1"/>
+          </a:fontRef>
+        </p:style>
+        <p:txBody>
+          <a:bodyPr rtlCol="0" anchor="ctr"/>
+          <a:p>
+            <a:pPr algn="ctr"/>
+            <a:r>
+              <a:rPr lang="en-US" altLang="zh-CN">
+                <a:sym typeface="+mn-ea"/>
+              </a:rPr>
+              <a:t>Other</a:t>
+            </a:r>
+            <a:endParaRPr lang="en-US" altLang="zh-CN"/>
+          </a:p>
+          <a:p>
+            <a:pPr algn="ctr"/>
+            <a:r>
+              <a:rPr lang="en-US" altLang="zh-CN">
+                <a:sym typeface="+mn-ea"/>
+              </a:rPr>
+              <a:t>System</a:t>
+            </a:r>
+            <a:endParaRPr lang="zh-CN" altLang="en-US"/>
+          </a:p>
+        </p:txBody>
+      </p:sp>
+      <p:sp>
+        <p:nvSpPr>
+          <p:cNvPr id="16" name="矩形 15"/>
+          <p:cNvSpPr/>
+          <p:nvPr/>
+        </p:nvSpPr>
+        <p:spPr>
+          <a:xfrm>
+            <a:off x="4178300" y="4723765"/>
+            <a:ext cx="1696720" cy="1041400"/>
+          </a:xfrm>
+          <a:prstGeom prst="rect">
+            <a:avLst/>
+          </a:prstGeom>
+        </p:spPr>
+        <p:style>
+          <a:lnRef idx="2">
+            <a:schemeClr val="accent2">
+              <a:shade val="50000"/>
+            </a:schemeClr>
+          </a:lnRef>
+          <a:fillRef idx="1">
+            <a:schemeClr val="accent2"/>
+          </a:fillRef>
+          <a:effectRef idx="0">
+            <a:schemeClr val="accent2"/>
+          </a:effectRef>
+          <a:fontRef idx="minor">
+            <a:schemeClr val="lt1"/>
+          </a:fontRef>
+        </p:style>
+        <p:txBody>
+          <a:bodyPr rtlCol="0" anchor="ctr"/>
+          <a:p>
+            <a:pPr algn="ctr"/>
+            <a:r>
+              <a:rPr lang="en-US" altLang="zh-CN"/>
+              <a:t>Delay Aggregation</a:t>
+            </a:r>
+            <a:endParaRPr lang="en-US" altLang="zh-CN"/>
+          </a:p>
+          <a:p>
+            <a:pPr algn="ctr"/>
+            <a:r>
+              <a:rPr lang="en-US" altLang="zh-CN"/>
+              <a:t>Queue</a:t>
+            </a:r>
+            <a:endParaRPr lang="en-US" altLang="zh-CN"/>
+          </a:p>
+        </p:txBody>
+      </p:sp>
+      <p:sp>
+        <p:nvSpPr>
+          <p:cNvPr id="17" name="矩形 16"/>
+          <p:cNvSpPr/>
+          <p:nvPr/>
+        </p:nvSpPr>
+        <p:spPr>
+          <a:xfrm>
+            <a:off x="6134735" y="4620260"/>
+            <a:ext cx="1332230" cy="1247140"/>
+          </a:xfrm>
+          <a:prstGeom prst="rect">
+            <a:avLst/>
+          </a:prstGeom>
+        </p:spPr>
+        <p:style>
+          <a:lnRef idx="2">
+            <a:schemeClr val="accent1">
+              <a:shade val="50000"/>
+            </a:schemeClr>
+          </a:lnRef>
+          <a:fillRef idx="1">
+            <a:schemeClr val="accent1"/>
+          </a:fillRef>
+          <a:effectRef idx="0">
+            <a:schemeClr val="accent1"/>
+          </a:effectRef>
+          <a:fontRef idx="minor">
+            <a:schemeClr val="lt1"/>
+          </a:fontRef>
+        </p:style>
+        <p:txBody>
+          <a:bodyPr rtlCol="0" anchor="ctr"/>
+          <a:p>
+            <a:pPr algn="ctr"/>
+            <a:r>
+              <a:rPr lang="zh-CN" altLang="en-US">
+                <a:sym typeface="+mn-ea"/>
+              </a:rPr>
+              <a:t>Marketing System</a:t>
+            </a:r>
+            <a:endParaRPr lang="zh-CN" altLang="en-US"/>
+          </a:p>
+        </p:txBody>
+      </p:sp>
+      <p:cxnSp>
+        <p:nvCxnSpPr>
+          <p:cNvPr id="18" name="直接箭头连接符 17"/>
+          <p:cNvCxnSpPr>
+            <a:stCxn id="15" idx="3"/>
+            <a:endCxn id="20" idx="2"/>
+          </p:cNvCxnSpPr>
+          <p:nvPr/>
+        </p:nvCxnSpPr>
+        <p:spPr>
+          <a:xfrm>
+            <a:off x="1778000" y="5243830"/>
+            <a:ext cx="383540" cy="635"/>
+          </a:xfrm>
+          <a:prstGeom prst="straightConnector1">
+            <a:avLst/>
+          </a:prstGeom>
+          <a:ln>
+            <a:tailEnd type="arrow"/>
+          </a:ln>
+        </p:spPr>
+        <p:style>
+          <a:lnRef idx="1">
+            <a:schemeClr val="accent1"/>
+          </a:lnRef>
+          <a:fillRef idx="0">
+            <a:schemeClr val="accent1"/>
+          </a:fillRef>
+          <a:effectRef idx="0">
+            <a:schemeClr val="accent1"/>
+          </a:effectRef>
+          <a:fontRef idx="minor">
+            <a:schemeClr val="tx1"/>
+          </a:fontRef>
+        </p:style>
+      </p:cxnSp>
+      <p:cxnSp>
+        <p:nvCxnSpPr>
+          <p:cNvPr id="19" name="直接箭头连接符 18"/>
+          <p:cNvCxnSpPr>
+            <a:stCxn id="16" idx="3"/>
+            <a:endCxn id="17" idx="1"/>
+          </p:cNvCxnSpPr>
+          <p:nvPr/>
+        </p:nvCxnSpPr>
+        <p:spPr>
+          <a:xfrm flipV="1">
+            <a:off x="5875020" y="5243830"/>
+            <a:ext cx="259715" cy="635"/>
+          </a:xfrm>
+          <a:prstGeom prst="straightConnector1">
+            <a:avLst/>
+          </a:prstGeom>
+          <a:ln>
+            <a:tailEnd type="arrow"/>
+          </a:ln>
+        </p:spPr>
+        <p:style>
+          <a:lnRef idx="1">
+            <a:schemeClr val="accent1"/>
+          </a:lnRef>
+          <a:fillRef idx="0">
+            <a:schemeClr val="accent1"/>
+          </a:fillRef>
+          <a:effectRef idx="0">
+            <a:schemeClr val="accent1"/>
+          </a:effectRef>
+          <a:fontRef idx="minor">
+            <a:schemeClr val="tx1"/>
+          </a:fontRef>
+        </p:style>
+      </p:cxnSp>
+      <p:sp>
+        <p:nvSpPr>
+          <p:cNvPr id="20" name="云形 19"/>
+          <p:cNvSpPr/>
+          <p:nvPr/>
+        </p:nvSpPr>
+        <p:spPr>
+          <a:xfrm>
+            <a:off x="2156460" y="4554855"/>
+            <a:ext cx="1586865" cy="1378585"/>
+          </a:xfrm>
+          <a:prstGeom prst="cloud">
+            <a:avLst/>
+          </a:prstGeom>
+        </p:spPr>
+        <p:style>
+          <a:lnRef idx="2">
+            <a:schemeClr val="accent1">
+              <a:shade val="50000"/>
+            </a:schemeClr>
+          </a:lnRef>
+          <a:fillRef idx="1">
+            <a:schemeClr val="accent1"/>
+          </a:fillRef>
+          <a:effectRef idx="0">
+            <a:schemeClr val="accent1"/>
+          </a:effectRef>
+          <a:fontRef idx="minor">
+            <a:schemeClr val="lt1"/>
+          </a:fontRef>
+        </p:style>
+        <p:txBody>
+          <a:bodyPr rtlCol="0" anchor="ctr"/>
+          <a:p>
+            <a:pPr algn="ctr"/>
+            <a:r>
+              <a:rPr lang="en-US" altLang="zh-CN"/>
+              <a:t>Memory</a:t>
+            </a:r>
+            <a:endParaRPr lang="en-US" altLang="zh-CN"/>
+          </a:p>
+          <a:p>
+            <a:pPr algn="ctr"/>
+            <a:r>
+              <a:rPr lang="en-US" altLang="zh-CN"/>
+              <a:t>System</a:t>
+            </a:r>
+            <a:endParaRPr lang="en-US" altLang="zh-CN"/>
+          </a:p>
+        </p:txBody>
+      </p:sp>
+      <p:cxnSp>
+        <p:nvCxnSpPr>
+          <p:cNvPr id="21" name="直接箭头连接符 20"/>
+          <p:cNvCxnSpPr>
+            <a:stCxn id="20" idx="0"/>
+            <a:endCxn id="16" idx="1"/>
+          </p:cNvCxnSpPr>
+          <p:nvPr/>
+        </p:nvCxnSpPr>
+        <p:spPr>
+          <a:xfrm>
+            <a:off x="3742055" y="5244465"/>
+            <a:ext cx="436245" cy="0"/>
+          </a:xfrm>
+          <a:prstGeom prst="straightConnector1">
+            <a:avLst/>
+          </a:prstGeom>
+          <a:ln>
+            <a:tailEnd type="arrow"/>
+          </a:ln>
+        </p:spPr>
+        <p:style>
+          <a:lnRef idx="1">
+            <a:schemeClr val="accent1"/>
+          </a:lnRef>
+          <a:fillRef idx="0">
+            <a:schemeClr val="accent1"/>
+          </a:fillRef>
+          <a:effectRef idx="0">
+            <a:schemeClr val="accent1"/>
+          </a:effectRef>
+          <a:fontRef idx="minor">
+            <a:schemeClr val="tx1"/>
+          </a:fontRef>
+        </p:style>
+      </p:cxnSp>
+    </p:spTree>
+  </p:cSld>
+  <p:clrMapOvr>
+    <a:masterClrMapping/>
+  </p:clrMapOvr>
+  <mc:AlternateContent xmlns:mc="http://schemas.openxmlformats.org/markup-compatibility/2006">
+    <mc:Choice xmlns:p14="http://schemas.microsoft.com/office/powerpoint/2010/main" Requires="p14">
+      <p:transition p14:dur="250">
+        <p:fade/>
+      </p:transition>
+    </mc:Choice>
+    <mc:Fallback>
+      <p:transition>
+        <p:fade/>
+      </p:transition>
+    </mc:Fallback>
+  </mc:AlternateContent>
+</p:sld>
+</file>
+
 <file path=ppt/theme/theme1.xml><?xml version="1.0" encoding="utf-8"?>
 <a:theme xmlns:a="http://schemas.openxmlformats.org/drawingml/2006/main" name="Office 主题">
   <a:themeElements>
